--- a/05_Challenge.pptx
+++ b/05_Challenge.pptx
@@ -10484,45 +10484,35 @@
             <a:spLocks noGrp="1"/>
           </p:cNvSpPr>
           <p:nvPr>
-            <p:ph type="ctrTitle"/>
+            <p:ph type="ctrTitle" idx="4294967295"/>
           </p:nvPr>
         </p:nvSpPr>
-        <p:spPr/>
+        <p:spPr>
+          <a:xfrm>
+            <a:off x="0" y="577850"/>
+            <a:ext cx="12192000" cy="5461000"/>
+          </a:xfrm>
+        </p:spPr>
         <p:txBody>
-          <a:bodyPr>
+          <a:bodyPr anchor="ctr">
             <a:normAutofit/>
           </a:bodyPr>
           <a:lstStyle/>
           <a:p>
+            <a:pPr algn="ctr"/>
             <a:r>
-              <a:rPr lang="en-US" dirty="0"/>
-              <a:t>Solution</a:t>
+              <a:rPr lang="en-US" sz="6600" b="1" dirty="0">
+                <a:solidFill>
+                  <a:schemeClr val="bg1"/>
+                </a:solidFill>
+              </a:rPr>
+              <a:t>Challenge</a:t>
             </a:r>
-          </a:p>
-        </p:txBody>
-      </p:sp>
-      <p:sp>
-        <p:nvSpPr>
-          <p:cNvPr id="5" name="Subtitle 4">
-            <a:extLst>
-              <a:ext uri="{FF2B5EF4-FFF2-40B4-BE49-F238E27FC236}">
-                <a16:creationId xmlns:a16="http://schemas.microsoft.com/office/drawing/2014/main" id="{7809602C-EE04-4FD1-8881-F192BC9BC93F}"/>
-              </a:ext>
-            </a:extLst>
-          </p:cNvPr>
-          <p:cNvSpPr>
-            <a:spLocks noGrp="1"/>
-          </p:cNvSpPr>
-          <p:nvPr>
-            <p:ph type="subTitle" idx="1"/>
-          </p:nvPr>
-        </p:nvSpPr>
-        <p:spPr/>
-        <p:txBody>
-          <a:bodyPr/>
-          <a:lstStyle/>
-          <a:p>
-            <a:endParaRPr lang="en-US" dirty="0"/>
+            <a:endParaRPr lang="en-US" b="1" dirty="0">
+              <a:solidFill>
+                <a:schemeClr val="bg1"/>
+              </a:solidFill>
+            </a:endParaRPr>
           </a:p>
         </p:txBody>
       </p:sp>
@@ -10536,6 +10526,9 @@
   <p:clrMapOvr>
     <a:masterClrMapping/>
   </p:clrMapOvr>
+  <p:transition>
+    <p:dissolve/>
+  </p:transition>
 </p:sld>
 </file>
 
@@ -11091,7 +11084,7 @@
           <a:effectLst/>
           <a:extLst>
             <a:ext uri="{AF507438-7753-43e0-B8FC-AC1667EBCBE1}">
-              <a14:hiddenEffects xmlns:a14="http://schemas.microsoft.com/office/drawing/2010/main" xmlns="">
+              <a14:hiddenEffects xmlns="" xmlns:a14="http://schemas.microsoft.com/office/drawing/2010/main">
                 <a:effectLst>
                   <a:outerShdw blurRad="63500" dist="38099" dir="2700000" algn="ctr" rotWithShape="0">
                     <a:schemeClr val="bg2">
@@ -12241,7 +12234,7 @@
         <a:effectLst/>
         <a:extLst>
           <a:ext uri="{AF507438-7753-43e0-B8FC-AC1667EBCBE1}">
-            <a14:hiddenEffects xmlns:a14="http://schemas.microsoft.com/office/drawing/2010/main" xmlns="">
+            <a14:hiddenEffects xmlns="" xmlns:a14="http://schemas.microsoft.com/office/drawing/2010/main">
               <a:effectLst>
                 <a:outerShdw blurRad="63500" dist="38099" dir="2700000" algn="ctr" rotWithShape="0">
                   <a:schemeClr val="bg2">
@@ -12321,7 +12314,7 @@
         <a:effectLst/>
         <a:extLst>
           <a:ext uri="{AF507438-7753-43e0-B8FC-AC1667EBCBE1}">
-            <a14:hiddenEffects xmlns:a14="http://schemas.microsoft.com/office/drawing/2010/main" xmlns="">
+            <a14:hiddenEffects xmlns="" xmlns:a14="http://schemas.microsoft.com/office/drawing/2010/main">
               <a:effectLst>
                 <a:outerShdw blurRad="63500" dist="38099" dir="2700000" algn="ctr" rotWithShape="0">
                   <a:schemeClr val="bg2">
@@ -12995,7 +12988,7 @@
         <a:effectLst/>
         <a:extLst>
           <a:ext uri="{AF507438-7753-43e0-B8FC-AC1667EBCBE1}">
-            <a14:hiddenEffects xmlns:a14="http://schemas.microsoft.com/office/drawing/2010/main" xmlns="">
+            <a14:hiddenEffects xmlns="" xmlns:a14="http://schemas.microsoft.com/office/drawing/2010/main">
               <a:effectLst>
                 <a:outerShdw blurRad="63500" dist="38099" dir="2700000" algn="ctr" rotWithShape="0">
                   <a:schemeClr val="bg2">
@@ -13075,7 +13068,7 @@
         <a:effectLst/>
         <a:extLst>
           <a:ext uri="{AF507438-7753-43e0-B8FC-AC1667EBCBE1}">
-            <a14:hiddenEffects xmlns:a14="http://schemas.microsoft.com/office/drawing/2010/main" xmlns="">
+            <a14:hiddenEffects xmlns="" xmlns:a14="http://schemas.microsoft.com/office/drawing/2010/main">
               <a:effectLst>
                 <a:outerShdw blurRad="63500" dist="38099" dir="2700000" algn="ctr" rotWithShape="0">
                   <a:schemeClr val="bg2">
@@ -13424,7 +13417,7 @@
         <a:effectLst/>
         <a:extLst>
           <a:ext uri="{AF507438-7753-43e0-B8FC-AC1667EBCBE1}">
-            <a14:hiddenEffects xmlns:a14="http://schemas.microsoft.com/office/drawing/2010/main" xmlns="">
+            <a14:hiddenEffects xmlns="" xmlns:a14="http://schemas.microsoft.com/office/drawing/2010/main">
               <a:effectLst>
                 <a:outerShdw blurRad="63500" dist="38099" dir="2700000" algn="ctr" rotWithShape="0">
                   <a:schemeClr val="bg2">
@@ -13504,7 +13497,7 @@
         <a:effectLst/>
         <a:extLst>
           <a:ext uri="{AF507438-7753-43e0-B8FC-AC1667EBCBE1}">
-            <a14:hiddenEffects xmlns:a14="http://schemas.microsoft.com/office/drawing/2010/main" xmlns="">
+            <a14:hiddenEffects xmlns="" xmlns:a14="http://schemas.microsoft.com/office/drawing/2010/main">
               <a:effectLst>
                 <a:outerShdw blurRad="63500" dist="38099" dir="2700000" algn="ctr" rotWithShape="0">
                   <a:schemeClr val="bg2">
@@ -13853,7 +13846,7 @@
         <a:effectLst/>
         <a:extLst>
           <a:ext uri="{AF507438-7753-43e0-B8FC-AC1667EBCBE1}">
-            <a14:hiddenEffects xmlns:a14="http://schemas.microsoft.com/office/drawing/2010/main" xmlns="">
+            <a14:hiddenEffects xmlns="" xmlns:a14="http://schemas.microsoft.com/office/drawing/2010/main">
               <a:effectLst>
                 <a:outerShdw blurRad="63500" dist="38099" dir="2700000" algn="ctr" rotWithShape="0">
                   <a:schemeClr val="bg2">
@@ -13933,7 +13926,7 @@
         <a:effectLst/>
         <a:extLst>
           <a:ext uri="{AF507438-7753-43e0-B8FC-AC1667EBCBE1}">
-            <a14:hiddenEffects xmlns:a14="http://schemas.microsoft.com/office/drawing/2010/main" xmlns="">
+            <a14:hiddenEffects xmlns="" xmlns:a14="http://schemas.microsoft.com/office/drawing/2010/main">
               <a:effectLst>
                 <a:outerShdw blurRad="63500" dist="38099" dir="2700000" algn="ctr" rotWithShape="0">
                   <a:schemeClr val="bg2">
@@ -14282,7 +14275,7 @@
         <a:effectLst/>
         <a:extLst>
           <a:ext uri="{AF507438-7753-43e0-B8FC-AC1667EBCBE1}">
-            <a14:hiddenEffects xmlns:a14="http://schemas.microsoft.com/office/drawing/2010/main" xmlns="">
+            <a14:hiddenEffects xmlns="" xmlns:a14="http://schemas.microsoft.com/office/drawing/2010/main">
               <a:effectLst>
                 <a:outerShdw blurRad="63500" dist="38099" dir="2700000" algn="ctr" rotWithShape="0">
                   <a:schemeClr val="bg2">
@@ -14362,7 +14355,7 @@
         <a:effectLst/>
         <a:extLst>
           <a:ext uri="{AF507438-7753-43e0-B8FC-AC1667EBCBE1}">
-            <a14:hiddenEffects xmlns:a14="http://schemas.microsoft.com/office/drawing/2010/main" xmlns="">
+            <a14:hiddenEffects xmlns="" xmlns:a14="http://schemas.microsoft.com/office/drawing/2010/main">
               <a:effectLst>
                 <a:outerShdw blurRad="63500" dist="38099" dir="2700000" algn="ctr" rotWithShape="0">
                   <a:schemeClr val="bg2">
@@ -14711,7 +14704,7 @@
         <a:effectLst/>
         <a:extLst>
           <a:ext uri="{AF507438-7753-43e0-B8FC-AC1667EBCBE1}">
-            <a14:hiddenEffects xmlns:a14="http://schemas.microsoft.com/office/drawing/2010/main" xmlns="">
+            <a14:hiddenEffects xmlns="" xmlns:a14="http://schemas.microsoft.com/office/drawing/2010/main">
               <a:effectLst>
                 <a:outerShdw blurRad="63500" dist="38099" dir="2700000" algn="ctr" rotWithShape="0">
                   <a:schemeClr val="bg2">
@@ -14791,7 +14784,7 @@
         <a:effectLst/>
         <a:extLst>
           <a:ext uri="{AF507438-7753-43e0-B8FC-AC1667EBCBE1}">
-            <a14:hiddenEffects xmlns:a14="http://schemas.microsoft.com/office/drawing/2010/main" xmlns="">
+            <a14:hiddenEffects xmlns="" xmlns:a14="http://schemas.microsoft.com/office/drawing/2010/main">
               <a:effectLst>
                 <a:outerShdw blurRad="63500" dist="38099" dir="2700000" algn="ctr" rotWithShape="0">
                   <a:schemeClr val="bg2">
